--- a/trunk/homework/WebContent/a00_project/a04_team/2nd/2ndprj_4조 중간발표본(4.21).pptx
+++ b/trunk/homework/WebContent/a00_project/a04_team/2nd/2ndprj_4조 중간발표본(4.21).pptx
@@ -18,7 +18,7 @@
     <p:sldId id="367" r:id="rId9"/>
     <p:sldId id="362" r:id="rId10"/>
     <p:sldId id="369" r:id="rId11"/>
-    <p:sldId id="368" r:id="rId12"/>
+    <p:sldId id="370" r:id="rId12"/>
     <p:sldId id="354" r:id="rId13"/>
   </p:sldIdLst>
   <p:sldSz cx="9144000" cy="6858000" type="screen4x3"/>
@@ -263,7 +263,7 @@
               <a:pPr>
                 <a:defRPr/>
               </a:pPr>
-              <a:t>2017-04-13</a:t>
+              <a:t>2017-04-21</a:t>
             </a:fld>
             <a:endParaRPr lang="ko-KR" altLang="en-US"/>
           </a:p>
@@ -780,7 +780,7 @@
               <a:pPr>
                 <a:defRPr/>
               </a:pPr>
-              <a:t>2017-04-13</a:t>
+              <a:t>2017-04-21</a:t>
             </a:fld>
             <a:endParaRPr lang="ko-KR" altLang="en-US"/>
           </a:p>
@@ -977,7 +977,7 @@
               <a:pPr>
                 <a:defRPr/>
               </a:pPr>
-              <a:t>2017-04-13</a:t>
+              <a:t>2017-04-21</a:t>
             </a:fld>
             <a:endParaRPr lang="ko-KR" altLang="en-US"/>
           </a:p>
@@ -1184,7 +1184,7 @@
               <a:pPr>
                 <a:defRPr/>
               </a:pPr>
-              <a:t>2017-04-13</a:t>
+              <a:t>2017-04-21</a:t>
             </a:fld>
             <a:endParaRPr lang="ko-KR" altLang="en-US"/>
           </a:p>
@@ -1381,7 +1381,7 @@
               <a:pPr>
                 <a:defRPr/>
               </a:pPr>
-              <a:t>2017-04-13</a:t>
+              <a:t>2017-04-21</a:t>
             </a:fld>
             <a:endParaRPr lang="ko-KR" altLang="en-US"/>
           </a:p>
@@ -1654,7 +1654,7 @@
               <a:pPr>
                 <a:defRPr/>
               </a:pPr>
-              <a:t>2017-04-13</a:t>
+              <a:t>2017-04-21</a:t>
             </a:fld>
             <a:endParaRPr lang="ko-KR" altLang="en-US"/>
           </a:p>
@@ -1969,7 +1969,7 @@
               <a:pPr>
                 <a:defRPr/>
               </a:pPr>
-              <a:t>2017-04-13</a:t>
+              <a:t>2017-04-21</a:t>
             </a:fld>
             <a:endParaRPr lang="ko-KR" altLang="en-US"/>
           </a:p>
@@ -2418,7 +2418,7 @@
               <a:pPr>
                 <a:defRPr/>
               </a:pPr>
-              <a:t>2017-04-13</a:t>
+              <a:t>2017-04-21</a:t>
             </a:fld>
             <a:endParaRPr lang="ko-KR" altLang="en-US"/>
           </a:p>
@@ -2563,7 +2563,7 @@
               <a:pPr>
                 <a:defRPr/>
               </a:pPr>
-              <a:t>2017-04-13</a:t>
+              <a:t>2017-04-21</a:t>
             </a:fld>
             <a:endParaRPr lang="ko-KR" altLang="en-US"/>
           </a:p>
@@ -3035,7 +3035,7 @@
               <a:pPr>
                 <a:defRPr/>
               </a:pPr>
-              <a:t>2017-04-13</a:t>
+              <a:t>2017-04-21</a:t>
             </a:fld>
             <a:endParaRPr lang="ko-KR" altLang="en-US"/>
           </a:p>
@@ -3318,7 +3318,7 @@
               <a:pPr>
                 <a:defRPr/>
               </a:pPr>
-              <a:t>2017-04-13</a:t>
+              <a:t>2017-04-21</a:t>
             </a:fld>
             <a:endParaRPr lang="ko-KR" altLang="en-US"/>
           </a:p>
@@ -3614,7 +3614,7 @@
               <a:pPr>
                 <a:defRPr/>
               </a:pPr>
-              <a:t>2017-04-13</a:t>
+              <a:t>2017-04-21</a:t>
             </a:fld>
             <a:endParaRPr lang="ko-KR" altLang="en-US"/>
           </a:p>
@@ -6445,289 +6445,52 @@
           <a:chExt cx="0" cy="0"/>
         </a:xfrm>
       </p:grpSpPr>
-      <p:pic>
-        <p:nvPicPr>
-          <p:cNvPr id="7" name="그림 6"/>
-          <p:cNvPicPr>
-            <a:picLocks noChangeAspect="1"/>
-          </p:cNvPicPr>
+      <p:sp>
+        <p:nvSpPr>
+          <p:cNvPr id="2" name="제목 1">
+            <a:hlinkClick r:id="rId2"/>
+          </p:cNvPr>
+          <p:cNvSpPr txBox="1">
+            <a:spLocks/>
+          </p:cNvSpPr>
           <p:nvPr/>
-        </p:nvPicPr>
-        <p:blipFill>
-          <a:blip cstate="print">
-            <a:extLst>
-              <a:ext uri="{28A0092B-C50C-407E-A947-70E740481C1C}">
-                <a14:useLocalDpi xmlns:a14="http://schemas.microsoft.com/office/drawing/2010/main" val="0"/>
-              </a:ext>
-            </a:extLst>
-          </a:blip>
-          <a:stretch>
-            <a:fillRect/>
-          </a:stretch>
-        </p:blipFill>
+        </p:nvSpPr>
         <p:spPr>
-          <a:xfrm>
-            <a:off x="8172450" y="5730681"/>
-            <a:ext cx="924231" cy="924231"/>
+          <a:xfrm rot="21287357">
+            <a:off x="1201961" y="2636260"/>
+            <a:ext cx="6769695" cy="1149137"/>
           </a:xfrm>
           <a:prstGeom prst="rect">
             <a:avLst/>
           </a:prstGeom>
         </p:spPr>
-      </p:pic>
-      <p:sp>
-        <p:nvSpPr>
-          <p:cNvPr id="43" name="직사각형 42"/>
-          <p:cNvSpPr/>
-          <p:nvPr/>
-        </p:nvSpPr>
-        <p:spPr>
-          <a:xfrm>
-            <a:off x="0" y="0"/>
-            <a:ext cx="9144000" cy="657940"/>
-          </a:xfrm>
-          <a:prstGeom prst="rect">
-            <a:avLst/>
-          </a:prstGeom>
-          <a:solidFill>
-            <a:srgbClr val="D4A190"/>
-          </a:solidFill>
-          <a:ln>
-            <a:noFill/>
-          </a:ln>
-        </p:spPr>
-        <p:style>
-          <a:lnRef idx="2">
-            <a:schemeClr val="accent1">
-              <a:shade val="50000"/>
-            </a:schemeClr>
-          </a:lnRef>
-          <a:fillRef idx="1">
-            <a:schemeClr val="accent1"/>
-          </a:fillRef>
-          <a:effectRef idx="0">
-            <a:schemeClr val="accent1"/>
-          </a:effectRef>
-          <a:fontRef idx="minor">
-            <a:schemeClr val="lt1"/>
-          </a:fontRef>
-        </p:style>
         <p:txBody>
-          <a:bodyPr rot="0" spcFirstLastPara="0" vertOverflow="overflow" horzOverflow="overflow" vert="horz" wrap="square" lIns="91440" tIns="45720" rIns="91440" bIns="45720" numCol="1" spcCol="0" rtlCol="0" fromWordArt="0" anchor="ctr" anchorCtr="0" forceAA="0" compatLnSpc="1">
-            <a:prstTxWarp prst="textNoShape">
-              <a:avLst/>
-            </a:prstTxWarp>
-            <a:noAutofit/>
-          </a:bodyPr>
-          <a:lstStyle/>
-          <a:p>
-            <a:pPr algn="ctr" fontAlgn="auto">
+          <a:bodyPr/>
+          <a:lstStyle>
+            <a:lvl1pPr algn="ctr" rtl="0" eaLnBrk="0" fontAlgn="base" latinLnBrk="1" hangingPunct="0">
               <a:spcBef>
-                <a:spcPts val="0"/>
+                <a:spcPct val="0"/>
               </a:spcBef>
               <a:spcAft>
-                <a:spcPts val="0"/>
+                <a:spcPct val="0"/>
               </a:spcAft>
-            </a:pPr>
-            <a:endParaRPr kumimoji="0" lang="ko-KR" altLang="en-US" sz="1200" b="1" dirty="0" smtClean="0">
-              <a:solidFill>
-                <a:srgbClr val="EBEBF0"/>
-              </a:solidFill>
-              <a:latin typeface="나눔명조 ExtraBold" panose="02020603020101020101" pitchFamily="18" charset="-127"/>
-              <a:ea typeface="나눔명조 ExtraBold" panose="02020603020101020101" pitchFamily="18" charset="-127"/>
-            </a:endParaRPr>
-          </a:p>
-        </p:txBody>
-      </p:sp>
-      <p:sp>
-        <p:nvSpPr>
-          <p:cNvPr id="44" name="TextBox 43"/>
-          <p:cNvSpPr txBox="1"/>
-          <p:nvPr/>
-        </p:nvSpPr>
-        <p:spPr>
-          <a:xfrm>
-            <a:off x="179512" y="116632"/>
-            <a:ext cx="6513796" cy="461665"/>
-          </a:xfrm>
-          <a:prstGeom prst="rect">
-            <a:avLst/>
-          </a:prstGeom>
-          <a:noFill/>
-        </p:spPr>
-        <p:txBody>
-          <a:bodyPr wrap="square">
-            <a:spAutoFit/>
-          </a:bodyPr>
-          <a:lstStyle/>
-          <a:p>
-            <a:pPr>
-              <a:defRPr/>
-            </a:pPr>
-            <a:r>
-              <a:rPr lang="en-US" altLang="ko-KR" sz="2400" b="1" dirty="0" smtClean="0">
-                <a:solidFill>
-                  <a:schemeClr val="bg1"/>
-                </a:solidFill>
-                <a:latin typeface="나눔명조 ExtraBold" panose="02020603020101020101" pitchFamily="18" charset="-127"/>
-                <a:ea typeface="나눔명조 ExtraBold" panose="02020603020101020101" pitchFamily="18" charset="-127"/>
-              </a:rPr>
-              <a:t>- </a:t>
-            </a:r>
-            <a:r>
-              <a:rPr lang="ko-KR" altLang="en-US" sz="2400" b="1" dirty="0" smtClean="0">
-                <a:solidFill>
-                  <a:schemeClr val="bg1"/>
-                </a:solidFill>
-                <a:latin typeface="나눔명조 ExtraBold" panose="02020603020101020101" pitchFamily="18" charset="-127"/>
-                <a:ea typeface="나눔명조 ExtraBold" panose="02020603020101020101" pitchFamily="18" charset="-127"/>
-              </a:rPr>
-              <a:t>스토리보드 </a:t>
-            </a:r>
-            <a:r>
-              <a:rPr lang="en-US" altLang="ko-KR" sz="2400" b="1" dirty="0" smtClean="0">
-                <a:solidFill>
-                  <a:schemeClr val="bg1"/>
-                </a:solidFill>
-                <a:latin typeface="나눔명조 ExtraBold" panose="02020603020101020101" pitchFamily="18" charset="-127"/>
-                <a:ea typeface="나눔명조 ExtraBold" panose="02020603020101020101" pitchFamily="18" charset="-127"/>
-              </a:rPr>
-              <a:t>: </a:t>
-            </a:r>
-            <a:r>
-              <a:rPr lang="ko-KR" altLang="en-US" sz="2400" b="1" dirty="0" smtClean="0">
-                <a:solidFill>
-                  <a:schemeClr val="bg1"/>
-                </a:solidFill>
-                <a:latin typeface="나눔명조 ExtraBold" panose="02020603020101020101" pitchFamily="18" charset="-127"/>
-                <a:ea typeface="나눔명조 ExtraBold" panose="02020603020101020101" pitchFamily="18" charset="-127"/>
-              </a:rPr>
-              <a:t>로그인 페이지</a:t>
-            </a:r>
-            <a:endParaRPr lang="ko-KR" altLang="en-US" sz="2400" b="1" dirty="0">
-              <a:solidFill>
-                <a:schemeClr val="bg1"/>
-              </a:solidFill>
-              <a:latin typeface="나눔명조 ExtraBold" panose="02020603020101020101" pitchFamily="18" charset="-127"/>
-              <a:ea typeface="나눔명조 ExtraBold" panose="02020603020101020101" pitchFamily="18" charset="-127"/>
-            </a:endParaRPr>
-          </a:p>
-        </p:txBody>
-      </p:sp>
-      <p:sp>
-        <p:nvSpPr>
-          <p:cNvPr id="45" name="직사각형 44"/>
-          <p:cNvSpPr/>
-          <p:nvPr/>
-        </p:nvSpPr>
-        <p:spPr>
-          <a:xfrm>
-            <a:off x="810334" y="836613"/>
-            <a:ext cx="7506082" cy="5761037"/>
-          </a:xfrm>
-          <a:prstGeom prst="rect">
-            <a:avLst/>
-          </a:prstGeom>
-          <a:noFill/>
-          <a:ln w="12700">
-            <a:solidFill>
-              <a:schemeClr val="bg1">
-                <a:lumMod val="65000"/>
-              </a:schemeClr>
-            </a:solidFill>
-          </a:ln>
-        </p:spPr>
-        <p:style>
-          <a:lnRef idx="2">
-            <a:schemeClr val="accent1">
-              <a:shade val="50000"/>
-            </a:schemeClr>
-          </a:lnRef>
-          <a:fillRef idx="1">
-            <a:schemeClr val="accent1"/>
-          </a:fillRef>
-          <a:effectRef idx="0">
-            <a:schemeClr val="accent1"/>
-          </a:effectRef>
-          <a:fontRef idx="minor">
-            <a:schemeClr val="lt1"/>
-          </a:fontRef>
-        </p:style>
-        <p:txBody>
-          <a:bodyPr anchor="ctr"/>
-          <a:lstStyle/>
-          <a:p>
-            <a:pPr algn="ctr">
-              <a:defRPr/>
-            </a:pPr>
-            <a:endParaRPr lang="ko-KR" altLang="en-US" sz="1100">
-              <a:latin typeface="나눔명조 ExtraBold" panose="02020603020101020101" pitchFamily="18" charset="-127"/>
-              <a:ea typeface="나눔명조 ExtraBold" panose="02020603020101020101" pitchFamily="18" charset="-127"/>
-            </a:endParaRPr>
-          </a:p>
-        </p:txBody>
-      </p:sp>
-      <p:sp>
-        <p:nvSpPr>
-          <p:cNvPr id="46" name="TextBox 7"/>
-          <p:cNvSpPr txBox="1">
-            <a:spLocks noChangeArrowheads="1"/>
-          </p:cNvSpPr>
-          <p:nvPr/>
-        </p:nvSpPr>
-        <p:spPr bwMode="auto">
-          <a:xfrm>
-            <a:off x="1331914" y="1016443"/>
-            <a:ext cx="6408438" cy="261610"/>
-          </a:xfrm>
-          <a:prstGeom prst="rect">
-            <a:avLst/>
-          </a:prstGeom>
-          <a:solidFill>
-            <a:srgbClr val="D4A190"/>
-          </a:solidFill>
-          <a:ln>
-            <a:noFill/>
-          </a:ln>
-          <a:extLst>
-            <a:ext uri="{91240B29-F687-4F45-9708-019B960494DF}">
-              <a14:hiddenLine xmlns:a14="http://schemas.microsoft.com/office/drawing/2010/main" w="9525">
-                <a:solidFill>
-                  <a:srgbClr val="000000"/>
-                </a:solidFill>
-                <a:miter lim="800000"/>
-                <a:headEnd/>
-                <a:tailEnd/>
-              </a14:hiddenLine>
-            </a:ext>
-          </a:extLst>
-        </p:spPr>
-        <p:txBody>
-          <a:bodyPr wrap="square">
-            <a:spAutoFit/>
-          </a:bodyPr>
-          <a:lstStyle>
-            <a:lvl1pPr eaLnBrk="0" hangingPunct="0">
-              <a:spcBef>
-                <a:spcPct val="20000"/>
-              </a:spcBef>
-              <a:buFont typeface="Arial" charset="0"/>
-              <a:buChar char="•"/>
-              <a:defRPr sz="3200">
+              <a:defRPr sz="4400" kern="1200">
                 <a:solidFill>
                   <a:schemeClr val="tx1"/>
                 </a:solidFill>
-                <a:latin typeface="맑은 고딕" pitchFamily="50" charset="-127"/>
-                <a:ea typeface="맑은 고딕" pitchFamily="50" charset="-127"/>
+                <a:latin typeface="+mj-lt"/>
+                <a:ea typeface="+mj-ea"/>
+                <a:cs typeface="+mj-cs"/>
               </a:defRPr>
             </a:lvl1pPr>
-            <a:lvl2pPr marL="742950" indent="-285750" eaLnBrk="0" hangingPunct="0">
+            <a:lvl2pPr algn="ctr" rtl="0" eaLnBrk="0" fontAlgn="base" latinLnBrk="1" hangingPunct="0">
               <a:spcBef>
-                <a:spcPct val="20000"/>
+                <a:spcPct val="0"/>
               </a:spcBef>
-              <a:buFont typeface="Arial" charset="0"/>
-              <a:buChar char="–"/>
-              <a:defRPr sz="2800">
+              <a:spcAft>
+                <a:spcPct val="0"/>
+              </a:spcAft>
+              <a:defRPr sz="4400">
                 <a:solidFill>
                   <a:schemeClr val="tx1"/>
                 </a:solidFill>
@@ -6735,13 +6498,14 @@
                 <a:ea typeface="맑은 고딕" pitchFamily="50" charset="-127"/>
               </a:defRPr>
             </a:lvl2pPr>
-            <a:lvl3pPr marL="1143000" indent="-228600" eaLnBrk="0" hangingPunct="0">
+            <a:lvl3pPr algn="ctr" rtl="0" eaLnBrk="0" fontAlgn="base" latinLnBrk="1" hangingPunct="0">
               <a:spcBef>
-                <a:spcPct val="20000"/>
+                <a:spcPct val="0"/>
               </a:spcBef>
-              <a:buFont typeface="Arial" charset="0"/>
-              <a:buChar char="•"/>
-              <a:defRPr sz="2400">
+              <a:spcAft>
+                <a:spcPct val="0"/>
+              </a:spcAft>
+              <a:defRPr sz="4400">
                 <a:solidFill>
                   <a:schemeClr val="tx1"/>
                 </a:solidFill>
@@ -6749,13 +6513,14 @@
                 <a:ea typeface="맑은 고딕" pitchFamily="50" charset="-127"/>
               </a:defRPr>
             </a:lvl3pPr>
-            <a:lvl4pPr marL="1600200" indent="-228600" eaLnBrk="0" hangingPunct="0">
+            <a:lvl4pPr algn="ctr" rtl="0" eaLnBrk="0" fontAlgn="base" latinLnBrk="1" hangingPunct="0">
               <a:spcBef>
-                <a:spcPct val="20000"/>
+                <a:spcPct val="0"/>
               </a:spcBef>
-              <a:buFont typeface="Arial" charset="0"/>
-              <a:buChar char="–"/>
-              <a:defRPr sz="2000">
+              <a:spcAft>
+                <a:spcPct val="0"/>
+              </a:spcAft>
+              <a:defRPr sz="4400">
                 <a:solidFill>
                   <a:schemeClr val="tx1"/>
                 </a:solidFill>
@@ -6763,13 +6528,14 @@
                 <a:ea typeface="맑은 고딕" pitchFamily="50" charset="-127"/>
               </a:defRPr>
             </a:lvl4pPr>
-            <a:lvl5pPr marL="2057400" indent="-228600" eaLnBrk="0" hangingPunct="0">
+            <a:lvl5pPr algn="ctr" rtl="0" eaLnBrk="0" fontAlgn="base" latinLnBrk="1" hangingPunct="0">
               <a:spcBef>
-                <a:spcPct val="20000"/>
+                <a:spcPct val="0"/>
               </a:spcBef>
-              <a:buFont typeface="Arial" charset="0"/>
-              <a:buChar char="»"/>
-              <a:defRPr sz="2000">
+              <a:spcAft>
+                <a:spcPct val="0"/>
+              </a:spcAft>
+              <a:defRPr sz="4400">
                 <a:solidFill>
                   <a:schemeClr val="tx1"/>
                 </a:solidFill>
@@ -6777,16 +6543,14 @@
                 <a:ea typeface="맑은 고딕" pitchFamily="50" charset="-127"/>
               </a:defRPr>
             </a:lvl5pPr>
-            <a:lvl6pPr marL="2514600" indent="-228600" eaLnBrk="0" fontAlgn="base" hangingPunct="0">
+            <a:lvl6pPr marL="457200" algn="ctr" rtl="0" fontAlgn="base" latinLnBrk="1">
               <a:spcBef>
-                <a:spcPct val="20000"/>
+                <a:spcPct val="0"/>
               </a:spcBef>
               <a:spcAft>
                 <a:spcPct val="0"/>
               </a:spcAft>
-              <a:buFont typeface="Arial" charset="0"/>
-              <a:buChar char="»"/>
-              <a:defRPr sz="2000">
+              <a:defRPr sz="4400">
                 <a:solidFill>
                   <a:schemeClr val="tx1"/>
                 </a:solidFill>
@@ -6794,16 +6558,14 @@
                 <a:ea typeface="맑은 고딕" pitchFamily="50" charset="-127"/>
               </a:defRPr>
             </a:lvl6pPr>
-            <a:lvl7pPr marL="2971800" indent="-228600" eaLnBrk="0" fontAlgn="base" hangingPunct="0">
+            <a:lvl7pPr marL="914400" algn="ctr" rtl="0" fontAlgn="base" latinLnBrk="1">
               <a:spcBef>
-                <a:spcPct val="20000"/>
+                <a:spcPct val="0"/>
               </a:spcBef>
               <a:spcAft>
                 <a:spcPct val="0"/>
               </a:spcAft>
-              <a:buFont typeface="Arial" charset="0"/>
-              <a:buChar char="»"/>
-              <a:defRPr sz="2000">
+              <a:defRPr sz="4400">
                 <a:solidFill>
                   <a:schemeClr val="tx1"/>
                 </a:solidFill>
@@ -6811,16 +6573,14 @@
                 <a:ea typeface="맑은 고딕" pitchFamily="50" charset="-127"/>
               </a:defRPr>
             </a:lvl7pPr>
-            <a:lvl8pPr marL="3429000" indent="-228600" eaLnBrk="0" fontAlgn="base" hangingPunct="0">
+            <a:lvl8pPr marL="1371600" algn="ctr" rtl="0" fontAlgn="base" latinLnBrk="1">
               <a:spcBef>
-                <a:spcPct val="20000"/>
+                <a:spcPct val="0"/>
               </a:spcBef>
               <a:spcAft>
                 <a:spcPct val="0"/>
               </a:spcAft>
-              <a:buFont typeface="Arial" charset="0"/>
-              <a:buChar char="»"/>
-              <a:defRPr sz="2000">
+              <a:defRPr sz="4400">
                 <a:solidFill>
                   <a:schemeClr val="tx1"/>
                 </a:solidFill>
@@ -6828,16 +6588,14 @@
                 <a:ea typeface="맑은 고딕" pitchFamily="50" charset="-127"/>
               </a:defRPr>
             </a:lvl8pPr>
-            <a:lvl9pPr marL="3886200" indent="-228600" eaLnBrk="0" fontAlgn="base" hangingPunct="0">
+            <a:lvl9pPr marL="1828800" algn="ctr" rtl="0" fontAlgn="base" latinLnBrk="1">
               <a:spcBef>
-                <a:spcPct val="20000"/>
+                <a:spcPct val="0"/>
               </a:spcBef>
               <a:spcAft>
                 <a:spcPct val="0"/>
               </a:spcAft>
-              <a:buFont typeface="Arial" charset="0"/>
-              <a:buChar char="»"/>
-              <a:defRPr sz="2000">
+              <a:defRPr sz="4400">
                 <a:solidFill>
                   <a:schemeClr val="tx1"/>
                 </a:solidFill>
@@ -6847,1549 +6605,22 @@
             </a:lvl9pPr>
           </a:lstStyle>
           <a:p>
-            <a:pPr algn="r" eaLnBrk="1" hangingPunct="1">
-              <a:spcBef>
-                <a:spcPct val="0"/>
-              </a:spcBef>
-              <a:buFontTx/>
-              <a:buNone/>
-            </a:pPr>
-            <a:r>
-              <a:rPr kumimoji="0" lang="ko-KR" altLang="en-US" sz="1100" dirty="0" smtClean="0">
-                <a:solidFill>
-                  <a:schemeClr val="bg1"/>
-                </a:solidFill>
-                <a:latin typeface="나눔명조 ExtraBold" panose="02020603020101020101" pitchFamily="18" charset="-127"/>
-                <a:ea typeface="나눔명조 ExtraBold" panose="02020603020101020101" pitchFamily="18" charset="-127"/>
-              </a:rPr>
-              <a:t>로그인          회원가입          </a:t>
-            </a:r>
-            <a:r>
-              <a:rPr kumimoji="0" lang="ko-KR" altLang="en-US" sz="1100" dirty="0" err="1" smtClean="0">
-                <a:solidFill>
-                  <a:schemeClr val="bg1"/>
-                </a:solidFill>
-                <a:latin typeface="나눔명조 ExtraBold" panose="02020603020101020101" pitchFamily="18" charset="-127"/>
-                <a:ea typeface="나눔명조 ExtraBold" panose="02020603020101020101" pitchFamily="18" charset="-127"/>
-              </a:rPr>
-              <a:t>고객의소리</a:t>
-            </a:r>
-            <a:endParaRPr kumimoji="0" lang="ko-KR" altLang="en-US" sz="1100" dirty="0">
-              <a:solidFill>
-                <a:schemeClr val="bg1"/>
-              </a:solidFill>
-              <a:latin typeface="나눔명조 ExtraBold" panose="02020603020101020101" pitchFamily="18" charset="-127"/>
-              <a:ea typeface="나눔명조 ExtraBold" panose="02020603020101020101" pitchFamily="18" charset="-127"/>
-            </a:endParaRPr>
-          </a:p>
-        </p:txBody>
-      </p:sp>
-      <p:sp>
-        <p:nvSpPr>
-          <p:cNvPr id="50" name="직사각형 49"/>
-          <p:cNvSpPr/>
-          <p:nvPr/>
-        </p:nvSpPr>
-        <p:spPr bwMode="auto">
-          <a:xfrm>
-            <a:off x="3997070" y="1412776"/>
-            <a:ext cx="900113" cy="252413"/>
-          </a:xfrm>
-          <a:prstGeom prst="rect">
-            <a:avLst/>
-          </a:prstGeom>
-          <a:solidFill>
-            <a:srgbClr val="EBEBF0"/>
-          </a:solidFill>
-          <a:ln w="19050">
-            <a:solidFill>
-              <a:srgbClr val="D6D7DE"/>
-            </a:solidFill>
-          </a:ln>
-        </p:spPr>
-        <p:style>
-          <a:lnRef idx="2">
-            <a:schemeClr val="accent1">
-              <a:shade val="50000"/>
-            </a:schemeClr>
-          </a:lnRef>
-          <a:fillRef idx="1">
-            <a:schemeClr val="accent1"/>
-          </a:fillRef>
-          <a:effectRef idx="0">
-            <a:schemeClr val="accent1"/>
-          </a:effectRef>
-          <a:fontRef idx="minor">
-            <a:schemeClr val="lt1"/>
-          </a:fontRef>
-        </p:style>
-        <p:txBody>
-          <a:bodyPr anchor="ctr"/>
-          <a:lstStyle/>
-          <a:p>
-            <a:pPr algn="ctr" fontAlgn="auto">
-              <a:spcBef>
-                <a:spcPts val="0"/>
-              </a:spcBef>
-              <a:spcAft>
-                <a:spcPts val="0"/>
-              </a:spcAft>
-              <a:defRPr/>
-            </a:pPr>
-            <a:r>
-              <a:rPr kumimoji="0" lang="en-US" altLang="ko-KR" sz="1100" dirty="0">
-                <a:solidFill>
-                  <a:srgbClr val="3F3F48"/>
-                </a:solidFill>
-                <a:latin typeface="나눔명조 ExtraBold" panose="02020603020101020101" pitchFamily="18" charset="-127"/>
-                <a:ea typeface="나눔명조 ExtraBold" panose="02020603020101020101" pitchFamily="18" charset="-127"/>
-              </a:rPr>
-              <a:t>LOGO</a:t>
-            </a:r>
-            <a:endParaRPr kumimoji="0" lang="ko-KR" altLang="en-US" sz="1100" dirty="0">
-              <a:solidFill>
-                <a:srgbClr val="3F3F48"/>
-              </a:solidFill>
-              <a:latin typeface="나눔명조 ExtraBold" panose="02020603020101020101" pitchFamily="18" charset="-127"/>
-              <a:ea typeface="나눔명조 ExtraBold" panose="02020603020101020101" pitchFamily="18" charset="-127"/>
-            </a:endParaRPr>
-          </a:p>
-        </p:txBody>
-      </p:sp>
-      <p:sp>
-        <p:nvSpPr>
-          <p:cNvPr id="51" name="TextBox 7"/>
-          <p:cNvSpPr txBox="1">
-            <a:spLocks noChangeArrowheads="1"/>
-          </p:cNvSpPr>
-          <p:nvPr/>
-        </p:nvSpPr>
-        <p:spPr bwMode="auto">
-          <a:xfrm>
-            <a:off x="1187624" y="1825737"/>
-            <a:ext cx="6768751" cy="261610"/>
-          </a:xfrm>
-          <a:prstGeom prst="rect">
-            <a:avLst/>
-          </a:prstGeom>
-          <a:noFill/>
-          <a:ln w="9525">
-            <a:solidFill>
-              <a:srgbClr val="A47160"/>
-            </a:solidFill>
-            <a:prstDash val="sysDash"/>
-            <a:miter lim="800000"/>
-            <a:headEnd/>
-            <a:tailEnd/>
-          </a:ln>
-          <a:extLst>
-            <a:ext uri="{909E8E84-426E-40DD-AFC4-6F175D3DCCD1}">
-              <a14:hiddenFill xmlns:a14="http://schemas.microsoft.com/office/drawing/2010/main">
-                <a:solidFill>
-                  <a:srgbClr val="FFFFFF"/>
-                </a:solidFill>
-              </a14:hiddenFill>
-            </a:ext>
-          </a:extLst>
-        </p:spPr>
-        <p:txBody>
-          <a:bodyPr wrap="square">
-            <a:spAutoFit/>
-          </a:bodyPr>
-          <a:lstStyle>
-            <a:lvl1pPr eaLnBrk="0" hangingPunct="0">
-              <a:spcBef>
-                <a:spcPct val="20000"/>
-              </a:spcBef>
-              <a:buFont typeface="Arial" charset="0"/>
-              <a:buChar char="•"/>
-              <a:defRPr sz="3200">
-                <a:solidFill>
-                  <a:schemeClr val="tx1"/>
-                </a:solidFill>
-                <a:latin typeface="맑은 고딕" pitchFamily="50" charset="-127"/>
-                <a:ea typeface="맑은 고딕" pitchFamily="50" charset="-127"/>
-              </a:defRPr>
-            </a:lvl1pPr>
-            <a:lvl2pPr marL="742950" indent="-285750" eaLnBrk="0" hangingPunct="0">
-              <a:spcBef>
-                <a:spcPct val="20000"/>
-              </a:spcBef>
-              <a:buFont typeface="Arial" charset="0"/>
-              <a:buChar char="–"/>
-              <a:defRPr sz="2800">
-                <a:solidFill>
-                  <a:schemeClr val="tx1"/>
-                </a:solidFill>
-                <a:latin typeface="맑은 고딕" pitchFamily="50" charset="-127"/>
-                <a:ea typeface="맑은 고딕" pitchFamily="50" charset="-127"/>
-              </a:defRPr>
-            </a:lvl2pPr>
-            <a:lvl3pPr marL="1143000" indent="-228600" eaLnBrk="0" hangingPunct="0">
-              <a:spcBef>
-                <a:spcPct val="20000"/>
-              </a:spcBef>
-              <a:buFont typeface="Arial" charset="0"/>
-              <a:buChar char="•"/>
-              <a:defRPr sz="2400">
-                <a:solidFill>
-                  <a:schemeClr val="tx1"/>
-                </a:solidFill>
-                <a:latin typeface="맑은 고딕" pitchFamily="50" charset="-127"/>
-                <a:ea typeface="맑은 고딕" pitchFamily="50" charset="-127"/>
-              </a:defRPr>
-            </a:lvl3pPr>
-            <a:lvl4pPr marL="1600200" indent="-228600" eaLnBrk="0" hangingPunct="0">
-              <a:spcBef>
-                <a:spcPct val="20000"/>
-              </a:spcBef>
-              <a:buFont typeface="Arial" charset="0"/>
-              <a:buChar char="–"/>
-              <a:defRPr sz="2000">
-                <a:solidFill>
-                  <a:schemeClr val="tx1"/>
-                </a:solidFill>
-                <a:latin typeface="맑은 고딕" pitchFamily="50" charset="-127"/>
-                <a:ea typeface="맑은 고딕" pitchFamily="50" charset="-127"/>
-              </a:defRPr>
-            </a:lvl4pPr>
-            <a:lvl5pPr marL="2057400" indent="-228600" eaLnBrk="0" hangingPunct="0">
-              <a:spcBef>
-                <a:spcPct val="20000"/>
-              </a:spcBef>
-              <a:buFont typeface="Arial" charset="0"/>
-              <a:buChar char="»"/>
-              <a:defRPr sz="2000">
-                <a:solidFill>
-                  <a:schemeClr val="tx1"/>
-                </a:solidFill>
-                <a:latin typeface="맑은 고딕" pitchFamily="50" charset="-127"/>
-                <a:ea typeface="맑은 고딕" pitchFamily="50" charset="-127"/>
-              </a:defRPr>
-            </a:lvl5pPr>
-            <a:lvl6pPr marL="2514600" indent="-228600" eaLnBrk="0" fontAlgn="base" hangingPunct="0">
-              <a:spcBef>
-                <a:spcPct val="20000"/>
-              </a:spcBef>
-              <a:spcAft>
-                <a:spcPct val="0"/>
-              </a:spcAft>
-              <a:buFont typeface="Arial" charset="0"/>
-              <a:buChar char="»"/>
-              <a:defRPr sz="2000">
-                <a:solidFill>
-                  <a:schemeClr val="tx1"/>
-                </a:solidFill>
-                <a:latin typeface="맑은 고딕" pitchFamily="50" charset="-127"/>
-                <a:ea typeface="맑은 고딕" pitchFamily="50" charset="-127"/>
-              </a:defRPr>
-            </a:lvl6pPr>
-            <a:lvl7pPr marL="2971800" indent="-228600" eaLnBrk="0" fontAlgn="base" hangingPunct="0">
-              <a:spcBef>
-                <a:spcPct val="20000"/>
-              </a:spcBef>
-              <a:spcAft>
-                <a:spcPct val="0"/>
-              </a:spcAft>
-              <a:buFont typeface="Arial" charset="0"/>
-              <a:buChar char="»"/>
-              <a:defRPr sz="2000">
-                <a:solidFill>
-                  <a:schemeClr val="tx1"/>
-                </a:solidFill>
-                <a:latin typeface="맑은 고딕" pitchFamily="50" charset="-127"/>
-                <a:ea typeface="맑은 고딕" pitchFamily="50" charset="-127"/>
-              </a:defRPr>
-            </a:lvl7pPr>
-            <a:lvl8pPr marL="3429000" indent="-228600" eaLnBrk="0" fontAlgn="base" hangingPunct="0">
-              <a:spcBef>
-                <a:spcPct val="20000"/>
-              </a:spcBef>
-              <a:spcAft>
-                <a:spcPct val="0"/>
-              </a:spcAft>
-              <a:buFont typeface="Arial" charset="0"/>
-              <a:buChar char="»"/>
-              <a:defRPr sz="2000">
-                <a:solidFill>
-                  <a:schemeClr val="tx1"/>
-                </a:solidFill>
-                <a:latin typeface="맑은 고딕" pitchFamily="50" charset="-127"/>
-                <a:ea typeface="맑은 고딕" pitchFamily="50" charset="-127"/>
-              </a:defRPr>
-            </a:lvl8pPr>
-            <a:lvl9pPr marL="3886200" indent="-228600" eaLnBrk="0" fontAlgn="base" hangingPunct="0">
-              <a:spcBef>
-                <a:spcPct val="20000"/>
-              </a:spcBef>
-              <a:spcAft>
-                <a:spcPct val="0"/>
-              </a:spcAft>
-              <a:buFont typeface="Arial" charset="0"/>
-              <a:buChar char="»"/>
-              <a:defRPr sz="2000">
-                <a:solidFill>
-                  <a:schemeClr val="tx1"/>
-                </a:solidFill>
-                <a:latin typeface="맑은 고딕" pitchFamily="50" charset="-127"/>
-                <a:ea typeface="맑은 고딕" pitchFamily="50" charset="-127"/>
-              </a:defRPr>
-            </a:lvl9pPr>
-          </a:lstStyle>
-          <a:p>
-            <a:pPr algn="ctr" eaLnBrk="1" hangingPunct="1">
-              <a:spcBef>
-                <a:spcPct val="0"/>
-              </a:spcBef>
-              <a:buFontTx/>
-              <a:buNone/>
-            </a:pPr>
-            <a:r>
-              <a:rPr kumimoji="0" lang="en-US" altLang="ko-KR" sz="1100" b="1" dirty="0" smtClean="0">
-                <a:solidFill>
-                  <a:srgbClr val="A47160"/>
-                </a:solidFill>
-                <a:latin typeface="나눔명조 ExtraBold" panose="02020603020101020101" pitchFamily="18" charset="-127"/>
-                <a:ea typeface="나눔명조 ExtraBold" panose="02020603020101020101" pitchFamily="18" charset="-127"/>
-              </a:rPr>
-              <a:t>NEUJDUNG COFFEE           MENU           EVENT&amp;NEWS           COMMUNITY           MY PAGE</a:t>
-            </a:r>
-            <a:endParaRPr kumimoji="0" lang="ko-KR" altLang="en-US" sz="1100" b="1" dirty="0">
-              <a:solidFill>
-                <a:srgbClr val="A47160"/>
-              </a:solidFill>
-              <a:latin typeface="나눔명조 ExtraBold" panose="02020603020101020101" pitchFamily="18" charset="-127"/>
-              <a:ea typeface="나눔명조 ExtraBold" panose="02020603020101020101" pitchFamily="18" charset="-127"/>
-            </a:endParaRPr>
-          </a:p>
-        </p:txBody>
-      </p:sp>
-      <p:sp>
-        <p:nvSpPr>
-          <p:cNvPr id="62" name="직사각형 61"/>
-          <p:cNvSpPr/>
-          <p:nvPr/>
-        </p:nvSpPr>
-        <p:spPr>
-          <a:xfrm>
-            <a:off x="1043607" y="1753738"/>
-            <a:ext cx="288306" cy="427402"/>
-          </a:xfrm>
-          <a:prstGeom prst="rect">
-            <a:avLst/>
-          </a:prstGeom>
-          <a:solidFill>
-            <a:schemeClr val="bg1"/>
-          </a:solidFill>
-          <a:ln>
-            <a:noFill/>
-          </a:ln>
-        </p:spPr>
-        <p:style>
-          <a:lnRef idx="2">
-            <a:schemeClr val="accent1">
-              <a:shade val="50000"/>
-            </a:schemeClr>
-          </a:lnRef>
-          <a:fillRef idx="1">
-            <a:schemeClr val="accent1"/>
-          </a:fillRef>
-          <a:effectRef idx="0">
-            <a:schemeClr val="accent1"/>
-          </a:effectRef>
-          <a:fontRef idx="minor">
-            <a:schemeClr val="lt1"/>
-          </a:fontRef>
-        </p:style>
-        <p:txBody>
-          <a:bodyPr rot="0" spcFirstLastPara="0" vertOverflow="overflow" horzOverflow="overflow" vert="horz" wrap="square" lIns="91440" tIns="45720" rIns="91440" bIns="45720" numCol="1" spcCol="0" rtlCol="0" fromWordArt="0" anchor="ctr" anchorCtr="0" forceAA="0" compatLnSpc="1">
-            <a:prstTxWarp prst="textNoShape">
-              <a:avLst/>
-            </a:prstTxWarp>
-            <a:noAutofit/>
-          </a:bodyPr>
-          <a:lstStyle/>
-          <a:p>
-            <a:pPr algn="ctr" fontAlgn="auto">
-              <a:spcBef>
-                <a:spcPts val="0"/>
-              </a:spcBef>
-              <a:spcAft>
-                <a:spcPts val="0"/>
-              </a:spcAft>
-            </a:pPr>
-            <a:endParaRPr kumimoji="0" lang="ko-KR" altLang="en-US" sz="1200" b="1" dirty="0" smtClean="0">
-              <a:solidFill>
-                <a:srgbClr val="EBEBF0"/>
-              </a:solidFill>
-              <a:latin typeface="나눔명조 ExtraBold" panose="02020603020101020101" pitchFamily="18" charset="-127"/>
-              <a:ea typeface="나눔명조 ExtraBold" panose="02020603020101020101" pitchFamily="18" charset="-127"/>
-            </a:endParaRPr>
-          </a:p>
-        </p:txBody>
-      </p:sp>
-      <p:sp>
-        <p:nvSpPr>
-          <p:cNvPr id="63" name="직사각형 62"/>
-          <p:cNvSpPr/>
-          <p:nvPr/>
-        </p:nvSpPr>
-        <p:spPr>
-          <a:xfrm>
-            <a:off x="7812086" y="1742841"/>
-            <a:ext cx="288306" cy="427402"/>
-          </a:xfrm>
-          <a:prstGeom prst="rect">
-            <a:avLst/>
-          </a:prstGeom>
-          <a:solidFill>
-            <a:schemeClr val="bg1"/>
-          </a:solidFill>
-          <a:ln>
-            <a:noFill/>
-          </a:ln>
-        </p:spPr>
-        <p:style>
-          <a:lnRef idx="2">
-            <a:schemeClr val="accent1">
-              <a:shade val="50000"/>
-            </a:schemeClr>
-          </a:lnRef>
-          <a:fillRef idx="1">
-            <a:schemeClr val="accent1"/>
-          </a:fillRef>
-          <a:effectRef idx="0">
-            <a:schemeClr val="accent1"/>
-          </a:effectRef>
-          <a:fontRef idx="minor">
-            <a:schemeClr val="lt1"/>
-          </a:fontRef>
-        </p:style>
-        <p:txBody>
-          <a:bodyPr rot="0" spcFirstLastPara="0" vertOverflow="overflow" horzOverflow="overflow" vert="horz" wrap="square" lIns="91440" tIns="45720" rIns="91440" bIns="45720" numCol="1" spcCol="0" rtlCol="0" fromWordArt="0" anchor="ctr" anchorCtr="0" forceAA="0" compatLnSpc="1">
-            <a:prstTxWarp prst="textNoShape">
-              <a:avLst/>
-            </a:prstTxWarp>
-            <a:noAutofit/>
-          </a:bodyPr>
-          <a:lstStyle/>
-          <a:p>
-            <a:pPr algn="ctr" fontAlgn="auto">
-              <a:spcBef>
-                <a:spcPts val="0"/>
-              </a:spcBef>
-              <a:spcAft>
-                <a:spcPts val="0"/>
-              </a:spcAft>
-            </a:pPr>
-            <a:endParaRPr kumimoji="0" lang="ko-KR" altLang="en-US" sz="1200" b="1" dirty="0" smtClean="0">
-              <a:solidFill>
-                <a:srgbClr val="EBEBF0"/>
-              </a:solidFill>
-              <a:latin typeface="나눔명조 ExtraBold" panose="02020603020101020101" pitchFamily="18" charset="-127"/>
-              <a:ea typeface="나눔명조 ExtraBold" panose="02020603020101020101" pitchFamily="18" charset="-127"/>
-            </a:endParaRPr>
-          </a:p>
-        </p:txBody>
-      </p:sp>
-      <p:grpSp>
-        <p:nvGrpSpPr>
-          <p:cNvPr id="47" name="그룹 46"/>
-          <p:cNvGrpSpPr>
-            <a:grpSpLocks/>
-          </p:cNvGrpSpPr>
-          <p:nvPr/>
-        </p:nvGrpSpPr>
-        <p:grpSpPr bwMode="auto">
-          <a:xfrm>
-            <a:off x="2267744" y="2708920"/>
-            <a:ext cx="4680520" cy="3096345"/>
-            <a:chOff x="2011463" y="981075"/>
-            <a:chExt cx="5201087" cy="3095502"/>
-          </a:xfrm>
-        </p:grpSpPr>
-        <p:sp>
-          <p:nvSpPr>
-            <p:cNvPr id="48" name="TextBox 15"/>
-            <p:cNvSpPr txBox="1">
-              <a:spLocks noChangeArrowheads="1"/>
-            </p:cNvSpPr>
-            <p:nvPr/>
-          </p:nvSpPr>
-          <p:spPr bwMode="auto">
-            <a:xfrm>
-              <a:off x="4018084" y="981075"/>
-              <a:ext cx="654090" cy="253847"/>
-            </a:xfrm>
-            <a:prstGeom prst="rect">
-              <a:avLst/>
-            </a:prstGeom>
-            <a:noFill/>
-            <a:ln>
-              <a:noFill/>
-            </a:ln>
-            <a:extLst>
-              <a:ext uri="{909E8E84-426E-40DD-AFC4-6F175D3DCCD1}">
-                <a14:hiddenFill xmlns:a14="http://schemas.microsoft.com/office/drawing/2010/main">
-                  <a:solidFill>
-                    <a:srgbClr val="FFFFFF"/>
-                  </a:solidFill>
-                </a14:hiddenFill>
-              </a:ext>
-              <a:ext uri="{91240B29-F687-4F45-9708-019B960494DF}">
-                <a14:hiddenLine xmlns:a14="http://schemas.microsoft.com/office/drawing/2010/main" w="9525">
-                  <a:solidFill>
-                    <a:srgbClr val="000000"/>
-                  </a:solidFill>
-                  <a:miter lim="800000"/>
-                  <a:headEnd/>
-                  <a:tailEnd/>
-                </a14:hiddenLine>
-              </a:ext>
-            </a:extLst>
-          </p:spPr>
-          <p:txBody>
-            <a:bodyPr wrap="none">
-              <a:spAutoFit/>
-            </a:bodyPr>
-            <a:lstStyle>
-              <a:lvl1pPr>
-                <a:defRPr>
-                  <a:solidFill>
-                    <a:schemeClr val="tx1"/>
-                  </a:solidFill>
-                  <a:latin typeface="맑은 고딕" pitchFamily="50" charset="-127"/>
-                  <a:ea typeface="맑은 고딕" pitchFamily="50" charset="-127"/>
-                </a:defRPr>
-              </a:lvl1pPr>
-              <a:lvl2pPr marL="742950" indent="-285750">
-                <a:defRPr>
-                  <a:solidFill>
-                    <a:schemeClr val="tx1"/>
-                  </a:solidFill>
-                  <a:latin typeface="맑은 고딕" pitchFamily="50" charset="-127"/>
-                  <a:ea typeface="맑은 고딕" pitchFamily="50" charset="-127"/>
-                </a:defRPr>
-              </a:lvl2pPr>
-              <a:lvl3pPr marL="1143000" indent="-228600">
-                <a:defRPr>
-                  <a:solidFill>
-                    <a:schemeClr val="tx1"/>
-                  </a:solidFill>
-                  <a:latin typeface="맑은 고딕" pitchFamily="50" charset="-127"/>
-                  <a:ea typeface="맑은 고딕" pitchFamily="50" charset="-127"/>
-                </a:defRPr>
-              </a:lvl3pPr>
-              <a:lvl4pPr marL="1600200" indent="-228600">
-                <a:defRPr>
-                  <a:solidFill>
-                    <a:schemeClr val="tx1"/>
-                  </a:solidFill>
-                  <a:latin typeface="맑은 고딕" pitchFamily="50" charset="-127"/>
-                  <a:ea typeface="맑은 고딕" pitchFamily="50" charset="-127"/>
-                </a:defRPr>
-              </a:lvl4pPr>
-              <a:lvl5pPr marL="2057400" indent="-228600">
-                <a:defRPr>
-                  <a:solidFill>
-                    <a:schemeClr val="tx1"/>
-                  </a:solidFill>
-                  <a:latin typeface="맑은 고딕" pitchFamily="50" charset="-127"/>
-                  <a:ea typeface="맑은 고딕" pitchFamily="50" charset="-127"/>
-                </a:defRPr>
-              </a:lvl5pPr>
-              <a:lvl6pPr marL="2514600" indent="-228600" fontAlgn="base">
-                <a:spcBef>
-                  <a:spcPct val="0"/>
-                </a:spcBef>
-                <a:spcAft>
-                  <a:spcPct val="0"/>
-                </a:spcAft>
-                <a:defRPr>
-                  <a:solidFill>
-                    <a:schemeClr val="tx1"/>
-                  </a:solidFill>
-                  <a:latin typeface="맑은 고딕" pitchFamily="50" charset="-127"/>
-                  <a:ea typeface="맑은 고딕" pitchFamily="50" charset="-127"/>
-                </a:defRPr>
-              </a:lvl6pPr>
-              <a:lvl7pPr marL="2971800" indent="-228600" fontAlgn="base">
-                <a:spcBef>
-                  <a:spcPct val="0"/>
-                </a:spcBef>
-                <a:spcAft>
-                  <a:spcPct val="0"/>
-                </a:spcAft>
-                <a:defRPr>
-                  <a:solidFill>
-                    <a:schemeClr val="tx1"/>
-                  </a:solidFill>
-                  <a:latin typeface="맑은 고딕" pitchFamily="50" charset="-127"/>
-                  <a:ea typeface="맑은 고딕" pitchFamily="50" charset="-127"/>
-                </a:defRPr>
-              </a:lvl7pPr>
-              <a:lvl8pPr marL="3429000" indent="-228600" fontAlgn="base">
-                <a:spcBef>
-                  <a:spcPct val="0"/>
-                </a:spcBef>
-                <a:spcAft>
-                  <a:spcPct val="0"/>
-                </a:spcAft>
-                <a:defRPr>
-                  <a:solidFill>
-                    <a:schemeClr val="tx1"/>
-                  </a:solidFill>
-                  <a:latin typeface="맑은 고딕" pitchFamily="50" charset="-127"/>
-                  <a:ea typeface="맑은 고딕" pitchFamily="50" charset="-127"/>
-                </a:defRPr>
-              </a:lvl8pPr>
-              <a:lvl9pPr marL="3886200" indent="-228600" fontAlgn="base">
-                <a:spcBef>
-                  <a:spcPct val="0"/>
-                </a:spcBef>
-                <a:spcAft>
-                  <a:spcPct val="0"/>
-                </a:spcAft>
-                <a:defRPr>
-                  <a:solidFill>
-                    <a:schemeClr val="tx1"/>
-                  </a:solidFill>
-                  <a:latin typeface="맑은 고딕" pitchFamily="50" charset="-127"/>
-                  <a:ea typeface="맑은 고딕" pitchFamily="50" charset="-127"/>
-                </a:defRPr>
-              </a:lvl9pPr>
-            </a:lstStyle>
-            <a:p>
-              <a:pPr>
-                <a:defRPr/>
-              </a:pPr>
-              <a:r>
-                <a:rPr kumimoji="0" lang="ko-KR" altLang="en-US" sz="1050" b="1" dirty="0" smtClean="0">
-                  <a:solidFill>
-                    <a:schemeClr val="accent6">
-                      <a:lumMod val="50000"/>
-                    </a:schemeClr>
-                  </a:solidFill>
-                </a:rPr>
-                <a:t>로그인</a:t>
-              </a:r>
-            </a:p>
-          </p:txBody>
-        </p:sp>
-        <p:cxnSp>
-          <p:nvCxnSpPr>
-            <p:cNvPr id="49" name="직선 연결선 48"/>
-            <p:cNvCxnSpPr/>
-            <p:nvPr/>
-          </p:nvCxnSpPr>
-          <p:spPr>
-            <a:xfrm>
-              <a:off x="2011463" y="1341339"/>
-              <a:ext cx="5201087" cy="0"/>
-            </a:xfrm>
-            <a:prstGeom prst="line">
-              <a:avLst/>
-            </a:prstGeom>
-            <a:ln w="19050">
-              <a:solidFill>
-                <a:srgbClr val="D6D7DE"/>
-              </a:solidFill>
-            </a:ln>
-          </p:spPr>
-          <p:style>
-            <a:lnRef idx="1">
-              <a:schemeClr val="accent1"/>
-            </a:lnRef>
-            <a:fillRef idx="0">
-              <a:schemeClr val="accent1"/>
-            </a:fillRef>
-            <a:effectRef idx="0">
-              <a:schemeClr val="accent1"/>
-            </a:effectRef>
-            <a:fontRef idx="minor">
-              <a:schemeClr val="tx1"/>
-            </a:fontRef>
-          </p:style>
-        </p:cxnSp>
-        <p:grpSp>
-          <p:nvGrpSpPr>
-            <p:cNvPr id="52" name="그룹 19"/>
-            <p:cNvGrpSpPr>
-              <a:grpSpLocks/>
-            </p:cNvGrpSpPr>
-            <p:nvPr/>
-          </p:nvGrpSpPr>
-          <p:grpSpPr bwMode="auto">
-            <a:xfrm>
-              <a:off x="2339975" y="1916111"/>
-              <a:ext cx="4464050" cy="683300"/>
-              <a:chOff x="2123728" y="1700808"/>
-              <a:chExt cx="4464536" cy="683237"/>
-            </a:xfrm>
-          </p:grpSpPr>
-          <p:sp>
-            <p:nvSpPr>
-              <p:cNvPr id="55" name="TextBox 20"/>
-              <p:cNvSpPr txBox="1">
-                <a:spLocks noChangeArrowheads="1"/>
-              </p:cNvSpPr>
-              <p:nvPr/>
-            </p:nvSpPr>
-            <p:spPr bwMode="auto">
-              <a:xfrm>
-                <a:off x="2123728" y="1700808"/>
-                <a:ext cx="530973" cy="230810"/>
-              </a:xfrm>
-              <a:prstGeom prst="rect">
-                <a:avLst/>
-              </a:prstGeom>
-              <a:noFill/>
-              <a:ln>
-                <a:noFill/>
-              </a:ln>
-              <a:extLst>
-                <a:ext uri="{909E8E84-426E-40DD-AFC4-6F175D3DCCD1}">
-                  <a14:hiddenFill xmlns:a14="http://schemas.microsoft.com/office/drawing/2010/main">
-                    <a:solidFill>
-                      <a:srgbClr val="FFFFFF"/>
-                    </a:solidFill>
-                  </a14:hiddenFill>
-                </a:ext>
-                <a:ext uri="{91240B29-F687-4F45-9708-019B960494DF}">
-                  <a14:hiddenLine xmlns:a14="http://schemas.microsoft.com/office/drawing/2010/main" w="9525">
-                    <a:solidFill>
-                      <a:srgbClr val="000000"/>
-                    </a:solidFill>
-                    <a:miter lim="800000"/>
-                    <a:headEnd/>
-                    <a:tailEnd/>
-                  </a14:hiddenLine>
-                </a:ext>
-              </a:extLst>
-            </p:spPr>
-            <p:txBody>
-              <a:bodyPr wrap="none">
-                <a:spAutoFit/>
-              </a:bodyPr>
-              <a:lstStyle>
-                <a:lvl1pPr eaLnBrk="0" hangingPunct="0">
-                  <a:spcBef>
-                    <a:spcPct val="20000"/>
-                  </a:spcBef>
-                  <a:buFont typeface="Arial" charset="0"/>
-                  <a:buChar char="•"/>
-                  <a:defRPr sz="3200">
-                    <a:solidFill>
-                      <a:schemeClr val="tx1"/>
-                    </a:solidFill>
-                    <a:latin typeface="맑은 고딕" pitchFamily="50" charset="-127"/>
-                    <a:ea typeface="맑은 고딕" pitchFamily="50" charset="-127"/>
-                  </a:defRPr>
-                </a:lvl1pPr>
-                <a:lvl2pPr marL="742950" indent="-285750" eaLnBrk="0" hangingPunct="0">
-                  <a:spcBef>
-                    <a:spcPct val="20000"/>
-                  </a:spcBef>
-                  <a:buFont typeface="Arial" charset="0"/>
-                  <a:buChar char="–"/>
-                  <a:defRPr sz="2800">
-                    <a:solidFill>
-                      <a:schemeClr val="tx1"/>
-                    </a:solidFill>
-                    <a:latin typeface="맑은 고딕" pitchFamily="50" charset="-127"/>
-                    <a:ea typeface="맑은 고딕" pitchFamily="50" charset="-127"/>
-                  </a:defRPr>
-                </a:lvl2pPr>
-                <a:lvl3pPr marL="1143000" indent="-228600" eaLnBrk="0" hangingPunct="0">
-                  <a:spcBef>
-                    <a:spcPct val="20000"/>
-                  </a:spcBef>
-                  <a:buFont typeface="Arial" charset="0"/>
-                  <a:buChar char="•"/>
-                  <a:defRPr sz="2400">
-                    <a:solidFill>
-                      <a:schemeClr val="tx1"/>
-                    </a:solidFill>
-                    <a:latin typeface="맑은 고딕" pitchFamily="50" charset="-127"/>
-                    <a:ea typeface="맑은 고딕" pitchFamily="50" charset="-127"/>
-                  </a:defRPr>
-                </a:lvl3pPr>
-                <a:lvl4pPr marL="1600200" indent="-228600" eaLnBrk="0" hangingPunct="0">
-                  <a:spcBef>
-                    <a:spcPct val="20000"/>
-                  </a:spcBef>
-                  <a:buFont typeface="Arial" charset="0"/>
-                  <a:buChar char="–"/>
-                  <a:defRPr sz="2000">
-                    <a:solidFill>
-                      <a:schemeClr val="tx1"/>
-                    </a:solidFill>
-                    <a:latin typeface="맑은 고딕" pitchFamily="50" charset="-127"/>
-                    <a:ea typeface="맑은 고딕" pitchFamily="50" charset="-127"/>
-                  </a:defRPr>
-                </a:lvl4pPr>
-                <a:lvl5pPr marL="2057400" indent="-228600" eaLnBrk="0" hangingPunct="0">
-                  <a:spcBef>
-                    <a:spcPct val="20000"/>
-                  </a:spcBef>
-                  <a:buFont typeface="Arial" charset="0"/>
-                  <a:buChar char="»"/>
-                  <a:defRPr sz="2000">
-                    <a:solidFill>
-                      <a:schemeClr val="tx1"/>
-                    </a:solidFill>
-                    <a:latin typeface="맑은 고딕" pitchFamily="50" charset="-127"/>
-                    <a:ea typeface="맑은 고딕" pitchFamily="50" charset="-127"/>
-                  </a:defRPr>
-                </a:lvl5pPr>
-                <a:lvl6pPr marL="2514600" indent="-228600" eaLnBrk="0" fontAlgn="base" hangingPunct="0">
-                  <a:spcBef>
-                    <a:spcPct val="20000"/>
-                  </a:spcBef>
-                  <a:spcAft>
-                    <a:spcPct val="0"/>
-                  </a:spcAft>
-                  <a:buFont typeface="Arial" charset="0"/>
-                  <a:buChar char="»"/>
-                  <a:defRPr sz="2000">
-                    <a:solidFill>
-                      <a:schemeClr val="tx1"/>
-                    </a:solidFill>
-                    <a:latin typeface="맑은 고딕" pitchFamily="50" charset="-127"/>
-                    <a:ea typeface="맑은 고딕" pitchFamily="50" charset="-127"/>
-                  </a:defRPr>
-                </a:lvl6pPr>
-                <a:lvl7pPr marL="2971800" indent="-228600" eaLnBrk="0" fontAlgn="base" hangingPunct="0">
-                  <a:spcBef>
-                    <a:spcPct val="20000"/>
-                  </a:spcBef>
-                  <a:spcAft>
-                    <a:spcPct val="0"/>
-                  </a:spcAft>
-                  <a:buFont typeface="Arial" charset="0"/>
-                  <a:buChar char="»"/>
-                  <a:defRPr sz="2000">
-                    <a:solidFill>
-                      <a:schemeClr val="tx1"/>
-                    </a:solidFill>
-                    <a:latin typeface="맑은 고딕" pitchFamily="50" charset="-127"/>
-                    <a:ea typeface="맑은 고딕" pitchFamily="50" charset="-127"/>
-                  </a:defRPr>
-                </a:lvl7pPr>
-                <a:lvl8pPr marL="3429000" indent="-228600" eaLnBrk="0" fontAlgn="base" hangingPunct="0">
-                  <a:spcBef>
-                    <a:spcPct val="20000"/>
-                  </a:spcBef>
-                  <a:spcAft>
-                    <a:spcPct val="0"/>
-                  </a:spcAft>
-                  <a:buFont typeface="Arial" charset="0"/>
-                  <a:buChar char="»"/>
-                  <a:defRPr sz="2000">
-                    <a:solidFill>
-                      <a:schemeClr val="tx1"/>
-                    </a:solidFill>
-                    <a:latin typeface="맑은 고딕" pitchFamily="50" charset="-127"/>
-                    <a:ea typeface="맑은 고딕" pitchFamily="50" charset="-127"/>
-                  </a:defRPr>
-                </a:lvl8pPr>
-                <a:lvl9pPr marL="3886200" indent="-228600" eaLnBrk="0" fontAlgn="base" hangingPunct="0">
-                  <a:spcBef>
-                    <a:spcPct val="20000"/>
-                  </a:spcBef>
-                  <a:spcAft>
-                    <a:spcPct val="0"/>
-                  </a:spcAft>
-                  <a:buFont typeface="Arial" charset="0"/>
-                  <a:buChar char="»"/>
-                  <a:defRPr sz="2000">
-                    <a:solidFill>
-                      <a:schemeClr val="tx1"/>
-                    </a:solidFill>
-                    <a:latin typeface="맑은 고딕" pitchFamily="50" charset="-127"/>
-                    <a:ea typeface="맑은 고딕" pitchFamily="50" charset="-127"/>
-                  </a:defRPr>
-                </a:lvl9pPr>
-              </a:lstStyle>
-              <a:p>
-                <a:pPr eaLnBrk="1" hangingPunct="1">
-                  <a:spcBef>
-                    <a:spcPct val="0"/>
-                  </a:spcBef>
-                  <a:buFontTx/>
-                  <a:buNone/>
-                </a:pPr>
-                <a:r>
-                  <a:rPr kumimoji="0" lang="ko-KR" altLang="en-US" sz="900">
-                    <a:solidFill>
-                      <a:srgbClr val="3F3F48"/>
-                    </a:solidFill>
-                  </a:rPr>
-                  <a:t>아이디</a:t>
-                </a:r>
-              </a:p>
-            </p:txBody>
-          </p:sp>
-          <p:sp>
-            <p:nvSpPr>
-              <p:cNvPr id="56" name="TextBox 21"/>
-              <p:cNvSpPr txBox="1">
-                <a:spLocks noChangeArrowheads="1"/>
-              </p:cNvSpPr>
-              <p:nvPr/>
-            </p:nvSpPr>
-            <p:spPr bwMode="auto">
-              <a:xfrm>
-                <a:off x="2123728" y="2096014"/>
-                <a:ext cx="646401" cy="230810"/>
-              </a:xfrm>
-              <a:prstGeom prst="rect">
-                <a:avLst/>
-              </a:prstGeom>
-              <a:noFill/>
-              <a:ln>
-                <a:noFill/>
-              </a:ln>
-              <a:extLst>
-                <a:ext uri="{909E8E84-426E-40DD-AFC4-6F175D3DCCD1}">
-                  <a14:hiddenFill xmlns:a14="http://schemas.microsoft.com/office/drawing/2010/main">
-                    <a:solidFill>
-                      <a:srgbClr val="FFFFFF"/>
-                    </a:solidFill>
-                  </a14:hiddenFill>
-                </a:ext>
-                <a:ext uri="{91240B29-F687-4F45-9708-019B960494DF}">
-                  <a14:hiddenLine xmlns:a14="http://schemas.microsoft.com/office/drawing/2010/main" w="9525">
-                    <a:solidFill>
-                      <a:srgbClr val="000000"/>
-                    </a:solidFill>
-                    <a:miter lim="800000"/>
-                    <a:headEnd/>
-                    <a:tailEnd/>
-                  </a14:hiddenLine>
-                </a:ext>
-              </a:extLst>
-            </p:spPr>
-            <p:txBody>
-              <a:bodyPr wrap="none">
-                <a:spAutoFit/>
-              </a:bodyPr>
-              <a:lstStyle>
-                <a:lvl1pPr eaLnBrk="0" hangingPunct="0">
-                  <a:spcBef>
-                    <a:spcPct val="20000"/>
-                  </a:spcBef>
-                  <a:buFont typeface="Arial" charset="0"/>
-                  <a:buChar char="•"/>
-                  <a:defRPr sz="3200">
-                    <a:solidFill>
-                      <a:schemeClr val="tx1"/>
-                    </a:solidFill>
-                    <a:latin typeface="맑은 고딕" pitchFamily="50" charset="-127"/>
-                    <a:ea typeface="맑은 고딕" pitchFamily="50" charset="-127"/>
-                  </a:defRPr>
-                </a:lvl1pPr>
-                <a:lvl2pPr marL="742950" indent="-285750" eaLnBrk="0" hangingPunct="0">
-                  <a:spcBef>
-                    <a:spcPct val="20000"/>
-                  </a:spcBef>
-                  <a:buFont typeface="Arial" charset="0"/>
-                  <a:buChar char="–"/>
-                  <a:defRPr sz="2800">
-                    <a:solidFill>
-                      <a:schemeClr val="tx1"/>
-                    </a:solidFill>
-                    <a:latin typeface="맑은 고딕" pitchFamily="50" charset="-127"/>
-                    <a:ea typeface="맑은 고딕" pitchFamily="50" charset="-127"/>
-                  </a:defRPr>
-                </a:lvl2pPr>
-                <a:lvl3pPr marL="1143000" indent="-228600" eaLnBrk="0" hangingPunct="0">
-                  <a:spcBef>
-                    <a:spcPct val="20000"/>
-                  </a:spcBef>
-                  <a:buFont typeface="Arial" charset="0"/>
-                  <a:buChar char="•"/>
-                  <a:defRPr sz="2400">
-                    <a:solidFill>
-                      <a:schemeClr val="tx1"/>
-                    </a:solidFill>
-                    <a:latin typeface="맑은 고딕" pitchFamily="50" charset="-127"/>
-                    <a:ea typeface="맑은 고딕" pitchFamily="50" charset="-127"/>
-                  </a:defRPr>
-                </a:lvl3pPr>
-                <a:lvl4pPr marL="1600200" indent="-228600" eaLnBrk="0" hangingPunct="0">
-                  <a:spcBef>
-                    <a:spcPct val="20000"/>
-                  </a:spcBef>
-                  <a:buFont typeface="Arial" charset="0"/>
-                  <a:buChar char="–"/>
-                  <a:defRPr sz="2000">
-                    <a:solidFill>
-                      <a:schemeClr val="tx1"/>
-                    </a:solidFill>
-                    <a:latin typeface="맑은 고딕" pitchFamily="50" charset="-127"/>
-                    <a:ea typeface="맑은 고딕" pitchFamily="50" charset="-127"/>
-                  </a:defRPr>
-                </a:lvl4pPr>
-                <a:lvl5pPr marL="2057400" indent="-228600" eaLnBrk="0" hangingPunct="0">
-                  <a:spcBef>
-                    <a:spcPct val="20000"/>
-                  </a:spcBef>
-                  <a:buFont typeface="Arial" charset="0"/>
-                  <a:buChar char="»"/>
-                  <a:defRPr sz="2000">
-                    <a:solidFill>
-                      <a:schemeClr val="tx1"/>
-                    </a:solidFill>
-                    <a:latin typeface="맑은 고딕" pitchFamily="50" charset="-127"/>
-                    <a:ea typeface="맑은 고딕" pitchFamily="50" charset="-127"/>
-                  </a:defRPr>
-                </a:lvl5pPr>
-                <a:lvl6pPr marL="2514600" indent="-228600" eaLnBrk="0" fontAlgn="base" hangingPunct="0">
-                  <a:spcBef>
-                    <a:spcPct val="20000"/>
-                  </a:spcBef>
-                  <a:spcAft>
-                    <a:spcPct val="0"/>
-                  </a:spcAft>
-                  <a:buFont typeface="Arial" charset="0"/>
-                  <a:buChar char="»"/>
-                  <a:defRPr sz="2000">
-                    <a:solidFill>
-                      <a:schemeClr val="tx1"/>
-                    </a:solidFill>
-                    <a:latin typeface="맑은 고딕" pitchFamily="50" charset="-127"/>
-                    <a:ea typeface="맑은 고딕" pitchFamily="50" charset="-127"/>
-                  </a:defRPr>
-                </a:lvl6pPr>
-                <a:lvl7pPr marL="2971800" indent="-228600" eaLnBrk="0" fontAlgn="base" hangingPunct="0">
-                  <a:spcBef>
-                    <a:spcPct val="20000"/>
-                  </a:spcBef>
-                  <a:spcAft>
-                    <a:spcPct val="0"/>
-                  </a:spcAft>
-                  <a:buFont typeface="Arial" charset="0"/>
-                  <a:buChar char="»"/>
-                  <a:defRPr sz="2000">
-                    <a:solidFill>
-                      <a:schemeClr val="tx1"/>
-                    </a:solidFill>
-                    <a:latin typeface="맑은 고딕" pitchFamily="50" charset="-127"/>
-                    <a:ea typeface="맑은 고딕" pitchFamily="50" charset="-127"/>
-                  </a:defRPr>
-                </a:lvl7pPr>
-                <a:lvl8pPr marL="3429000" indent="-228600" eaLnBrk="0" fontAlgn="base" hangingPunct="0">
-                  <a:spcBef>
-                    <a:spcPct val="20000"/>
-                  </a:spcBef>
-                  <a:spcAft>
-                    <a:spcPct val="0"/>
-                  </a:spcAft>
-                  <a:buFont typeface="Arial" charset="0"/>
-                  <a:buChar char="»"/>
-                  <a:defRPr sz="2000">
-                    <a:solidFill>
-                      <a:schemeClr val="tx1"/>
-                    </a:solidFill>
-                    <a:latin typeface="맑은 고딕" pitchFamily="50" charset="-127"/>
-                    <a:ea typeface="맑은 고딕" pitchFamily="50" charset="-127"/>
-                  </a:defRPr>
-                </a:lvl8pPr>
-                <a:lvl9pPr marL="3886200" indent="-228600" eaLnBrk="0" fontAlgn="base" hangingPunct="0">
-                  <a:spcBef>
-                    <a:spcPct val="20000"/>
-                  </a:spcBef>
-                  <a:spcAft>
-                    <a:spcPct val="0"/>
-                  </a:spcAft>
-                  <a:buFont typeface="Arial" charset="0"/>
-                  <a:buChar char="»"/>
-                  <a:defRPr sz="2000">
-                    <a:solidFill>
-                      <a:schemeClr val="tx1"/>
-                    </a:solidFill>
-                    <a:latin typeface="맑은 고딕" pitchFamily="50" charset="-127"/>
-                    <a:ea typeface="맑은 고딕" pitchFamily="50" charset="-127"/>
-                  </a:defRPr>
-                </a:lvl9pPr>
-              </a:lstStyle>
-              <a:p>
-                <a:pPr eaLnBrk="1" hangingPunct="1">
-                  <a:spcBef>
-                    <a:spcPct val="0"/>
-                  </a:spcBef>
-                  <a:buFontTx/>
-                  <a:buNone/>
-                </a:pPr>
-                <a:r>
-                  <a:rPr kumimoji="0" lang="ko-KR" altLang="en-US" sz="900">
-                    <a:solidFill>
-                      <a:srgbClr val="3F3F48"/>
-                    </a:solidFill>
-                  </a:rPr>
-                  <a:t>비밀번호</a:t>
-                </a:r>
-              </a:p>
-            </p:txBody>
-          </p:sp>
-          <p:sp>
-            <p:nvSpPr>
-              <p:cNvPr id="57" name="직사각형 56"/>
-              <p:cNvSpPr/>
-              <p:nvPr/>
-            </p:nvSpPr>
-            <p:spPr>
-              <a:xfrm>
-                <a:off x="3348607" y="1700555"/>
-                <a:ext cx="3239170" cy="287233"/>
-              </a:xfrm>
-              <a:prstGeom prst="rect">
-                <a:avLst/>
-              </a:prstGeom>
-              <a:solidFill>
-                <a:schemeClr val="bg1"/>
-              </a:solidFill>
-              <a:ln w="12700">
-                <a:solidFill>
-                  <a:srgbClr val="D6D7DE"/>
-                </a:solidFill>
-              </a:ln>
-            </p:spPr>
-            <p:style>
-              <a:lnRef idx="2">
-                <a:schemeClr val="accent1">
-                  <a:shade val="50000"/>
-                </a:schemeClr>
-              </a:lnRef>
-              <a:fillRef idx="1">
-                <a:schemeClr val="accent1"/>
-              </a:fillRef>
-              <a:effectRef idx="0">
-                <a:schemeClr val="accent1"/>
-              </a:effectRef>
-              <a:fontRef idx="minor">
-                <a:schemeClr val="lt1"/>
-              </a:fontRef>
-            </p:style>
-            <p:txBody>
-              <a:bodyPr anchor="ctr"/>
-              <a:lstStyle/>
-              <a:p>
-                <a:pPr algn="ctr" fontAlgn="auto">
-                  <a:spcBef>
-                    <a:spcPts val="0"/>
-                  </a:spcBef>
-                  <a:spcAft>
-                    <a:spcPts val="0"/>
-                  </a:spcAft>
-                  <a:defRPr/>
-                </a:pPr>
-                <a:endParaRPr kumimoji="0" lang="ko-KR" altLang="en-US" sz="1200"/>
-              </a:p>
-            </p:txBody>
-          </p:sp>
-          <p:sp>
-            <p:nvSpPr>
-              <p:cNvPr id="58" name="직사각형 57"/>
-              <p:cNvSpPr/>
-              <p:nvPr/>
-            </p:nvSpPr>
-            <p:spPr>
-              <a:xfrm>
-                <a:off x="3348607" y="2097286"/>
-                <a:ext cx="3239170" cy="287233"/>
-              </a:xfrm>
-              <a:prstGeom prst="rect">
-                <a:avLst/>
-              </a:prstGeom>
-              <a:solidFill>
-                <a:schemeClr val="bg1"/>
-              </a:solidFill>
-              <a:ln w="12700">
-                <a:solidFill>
-                  <a:srgbClr val="D6D7DE"/>
-                </a:solidFill>
-              </a:ln>
-            </p:spPr>
-            <p:style>
-              <a:lnRef idx="2">
-                <a:schemeClr val="accent1">
-                  <a:shade val="50000"/>
-                </a:schemeClr>
-              </a:lnRef>
-              <a:fillRef idx="1">
-                <a:schemeClr val="accent1"/>
-              </a:fillRef>
-              <a:effectRef idx="0">
-                <a:schemeClr val="accent1"/>
-              </a:effectRef>
-              <a:fontRef idx="minor">
-                <a:schemeClr val="lt1"/>
-              </a:fontRef>
-            </p:style>
-            <p:txBody>
-              <a:bodyPr anchor="ctr"/>
-              <a:lstStyle/>
-              <a:p>
-                <a:pPr algn="ctr" fontAlgn="auto">
-                  <a:spcBef>
-                    <a:spcPts val="0"/>
-                  </a:spcBef>
-                  <a:spcAft>
-                    <a:spcPts val="0"/>
-                  </a:spcAft>
-                  <a:defRPr/>
-                </a:pPr>
-                <a:endParaRPr kumimoji="0" lang="ko-KR" altLang="en-US" sz="1200"/>
-              </a:p>
-            </p:txBody>
-          </p:sp>
-        </p:grpSp>
-        <p:sp>
-          <p:nvSpPr>
-            <p:cNvPr id="53" name="직사각형 52"/>
-            <p:cNvSpPr/>
-            <p:nvPr/>
-          </p:nvSpPr>
-          <p:spPr>
-            <a:xfrm>
-              <a:off x="2411024" y="2960149"/>
-              <a:ext cx="4429558" cy="287260"/>
-            </a:xfrm>
-            <a:prstGeom prst="rect">
-              <a:avLst/>
-            </a:prstGeom>
-            <a:solidFill>
-              <a:srgbClr val="BC8978"/>
-            </a:solidFill>
-            <a:ln>
-              <a:noFill/>
-            </a:ln>
-          </p:spPr>
-          <p:style>
-            <a:lnRef idx="2">
-              <a:schemeClr val="accent1">
-                <a:shade val="50000"/>
-              </a:schemeClr>
-            </a:lnRef>
-            <a:fillRef idx="1">
-              <a:schemeClr val="accent1"/>
-            </a:fillRef>
-            <a:effectRef idx="0">
-              <a:schemeClr val="accent1"/>
-            </a:effectRef>
-            <a:fontRef idx="minor">
-              <a:schemeClr val="lt1"/>
-            </a:fontRef>
-          </p:style>
-          <p:txBody>
-            <a:bodyPr anchor="ctr"/>
-            <a:lstStyle/>
-            <a:p>
-              <a:pPr algn="ctr" fontAlgn="auto">
-                <a:spcBef>
-                  <a:spcPts val="0"/>
-                </a:spcBef>
-                <a:spcAft>
-                  <a:spcPts val="0"/>
-                </a:spcAft>
-                <a:defRPr/>
-              </a:pPr>
-              <a:r>
-                <a:rPr kumimoji="0" lang="ko-KR" altLang="en-US" sz="1050" b="1" dirty="0"/>
-                <a:t>로그인</a:t>
-              </a:r>
-              <a:endParaRPr kumimoji="0" lang="ko-KR" altLang="en-US" sz="1200" b="1" dirty="0"/>
-            </a:p>
-          </p:txBody>
-        </p:sp>
-        <p:sp>
-          <p:nvSpPr>
-            <p:cNvPr id="54" name="TextBox 76"/>
-            <p:cNvSpPr txBox="1">
-              <a:spLocks noChangeArrowheads="1"/>
-            </p:cNvSpPr>
-            <p:nvPr/>
-          </p:nvSpPr>
-          <p:spPr bwMode="auto">
-            <a:xfrm>
-              <a:off x="3131697" y="3815038"/>
-              <a:ext cx="2611726" cy="261539"/>
-            </a:xfrm>
-            <a:prstGeom prst="rect">
-              <a:avLst/>
-            </a:prstGeom>
-            <a:noFill/>
-            <a:ln>
-              <a:noFill/>
-            </a:ln>
-            <a:extLst>
-              <a:ext uri="{909E8E84-426E-40DD-AFC4-6F175D3DCCD1}">
-                <a14:hiddenFill xmlns:a14="http://schemas.microsoft.com/office/drawing/2010/main">
-                  <a:solidFill>
-                    <a:srgbClr val="FFFFFF"/>
-                  </a:solidFill>
-                </a14:hiddenFill>
-              </a:ext>
-              <a:ext uri="{91240B29-F687-4F45-9708-019B960494DF}">
-                <a14:hiddenLine xmlns:a14="http://schemas.microsoft.com/office/drawing/2010/main" w="9525">
-                  <a:solidFill>
-                    <a:srgbClr val="000000"/>
-                  </a:solidFill>
-                  <a:miter lim="800000"/>
-                  <a:headEnd/>
-                  <a:tailEnd/>
-                </a14:hiddenLine>
-              </a:ext>
-            </a:extLst>
-          </p:spPr>
-          <p:txBody>
-            <a:bodyPr wrap="none">
-              <a:spAutoFit/>
-            </a:bodyPr>
-            <a:lstStyle>
-              <a:lvl1pPr eaLnBrk="0" hangingPunct="0">
-                <a:spcBef>
-                  <a:spcPct val="20000"/>
-                </a:spcBef>
-                <a:buFont typeface="Arial" charset="0"/>
-                <a:buChar char="•"/>
-                <a:defRPr sz="3200">
-                  <a:solidFill>
-                    <a:schemeClr val="tx1"/>
-                  </a:solidFill>
-                  <a:latin typeface="맑은 고딕" pitchFamily="50" charset="-127"/>
-                  <a:ea typeface="맑은 고딕" pitchFamily="50" charset="-127"/>
-                </a:defRPr>
-              </a:lvl1pPr>
-              <a:lvl2pPr marL="742950" indent="-285750" eaLnBrk="0" hangingPunct="0">
-                <a:spcBef>
-                  <a:spcPct val="20000"/>
-                </a:spcBef>
-                <a:buFont typeface="Arial" charset="0"/>
-                <a:buChar char="–"/>
-                <a:defRPr sz="2800">
-                  <a:solidFill>
-                    <a:schemeClr val="tx1"/>
-                  </a:solidFill>
-                  <a:latin typeface="맑은 고딕" pitchFamily="50" charset="-127"/>
-                  <a:ea typeface="맑은 고딕" pitchFamily="50" charset="-127"/>
-                </a:defRPr>
-              </a:lvl2pPr>
-              <a:lvl3pPr marL="1143000" indent="-228600" eaLnBrk="0" hangingPunct="0">
-                <a:spcBef>
-                  <a:spcPct val="20000"/>
-                </a:spcBef>
-                <a:buFont typeface="Arial" charset="0"/>
-                <a:buChar char="•"/>
-                <a:defRPr sz="2400">
-                  <a:solidFill>
-                    <a:schemeClr val="tx1"/>
-                  </a:solidFill>
-                  <a:latin typeface="맑은 고딕" pitchFamily="50" charset="-127"/>
-                  <a:ea typeface="맑은 고딕" pitchFamily="50" charset="-127"/>
-                </a:defRPr>
-              </a:lvl3pPr>
-              <a:lvl4pPr marL="1600200" indent="-228600" eaLnBrk="0" hangingPunct="0">
-                <a:spcBef>
-                  <a:spcPct val="20000"/>
-                </a:spcBef>
-                <a:buFont typeface="Arial" charset="0"/>
-                <a:buChar char="–"/>
-                <a:defRPr sz="2000">
-                  <a:solidFill>
-                    <a:schemeClr val="tx1"/>
-                  </a:solidFill>
-                  <a:latin typeface="맑은 고딕" pitchFamily="50" charset="-127"/>
-                  <a:ea typeface="맑은 고딕" pitchFamily="50" charset="-127"/>
-                </a:defRPr>
-              </a:lvl4pPr>
-              <a:lvl5pPr marL="2057400" indent="-228600" eaLnBrk="0" hangingPunct="0">
-                <a:spcBef>
-                  <a:spcPct val="20000"/>
-                </a:spcBef>
-                <a:buFont typeface="Arial" charset="0"/>
-                <a:buChar char="»"/>
-                <a:defRPr sz="2000">
-                  <a:solidFill>
-                    <a:schemeClr val="tx1"/>
-                  </a:solidFill>
-                  <a:latin typeface="맑은 고딕" pitchFamily="50" charset="-127"/>
-                  <a:ea typeface="맑은 고딕" pitchFamily="50" charset="-127"/>
-                </a:defRPr>
-              </a:lvl5pPr>
-              <a:lvl6pPr marL="2514600" indent="-228600" eaLnBrk="0" fontAlgn="base" hangingPunct="0">
-                <a:spcBef>
-                  <a:spcPct val="20000"/>
-                </a:spcBef>
-                <a:spcAft>
-                  <a:spcPct val="0"/>
-                </a:spcAft>
-                <a:buFont typeface="Arial" charset="0"/>
-                <a:buChar char="»"/>
-                <a:defRPr sz="2000">
-                  <a:solidFill>
-                    <a:schemeClr val="tx1"/>
-                  </a:solidFill>
-                  <a:latin typeface="맑은 고딕" pitchFamily="50" charset="-127"/>
-                  <a:ea typeface="맑은 고딕" pitchFamily="50" charset="-127"/>
-                </a:defRPr>
-              </a:lvl6pPr>
-              <a:lvl7pPr marL="2971800" indent="-228600" eaLnBrk="0" fontAlgn="base" hangingPunct="0">
-                <a:spcBef>
-                  <a:spcPct val="20000"/>
-                </a:spcBef>
-                <a:spcAft>
-                  <a:spcPct val="0"/>
-                </a:spcAft>
-                <a:buFont typeface="Arial" charset="0"/>
-                <a:buChar char="»"/>
-                <a:defRPr sz="2000">
-                  <a:solidFill>
-                    <a:schemeClr val="tx1"/>
-                  </a:solidFill>
-                  <a:latin typeface="맑은 고딕" pitchFamily="50" charset="-127"/>
-                  <a:ea typeface="맑은 고딕" pitchFamily="50" charset="-127"/>
-                </a:defRPr>
-              </a:lvl7pPr>
-              <a:lvl8pPr marL="3429000" indent="-228600" eaLnBrk="0" fontAlgn="base" hangingPunct="0">
-                <a:spcBef>
-                  <a:spcPct val="20000"/>
-                </a:spcBef>
-                <a:spcAft>
-                  <a:spcPct val="0"/>
-                </a:spcAft>
-                <a:buFont typeface="Arial" charset="0"/>
-                <a:buChar char="»"/>
-                <a:defRPr sz="2000">
-                  <a:solidFill>
-                    <a:schemeClr val="tx1"/>
-                  </a:solidFill>
-                  <a:latin typeface="맑은 고딕" pitchFamily="50" charset="-127"/>
-                  <a:ea typeface="맑은 고딕" pitchFamily="50" charset="-127"/>
-                </a:defRPr>
-              </a:lvl8pPr>
-              <a:lvl9pPr marL="3886200" indent="-228600" eaLnBrk="0" fontAlgn="base" hangingPunct="0">
-                <a:spcBef>
-                  <a:spcPct val="20000"/>
-                </a:spcBef>
-                <a:spcAft>
-                  <a:spcPct val="0"/>
-                </a:spcAft>
-                <a:buFont typeface="Arial" charset="0"/>
-                <a:buChar char="»"/>
-                <a:defRPr sz="2000">
-                  <a:solidFill>
-                    <a:schemeClr val="tx1"/>
-                  </a:solidFill>
-                  <a:latin typeface="맑은 고딕" pitchFamily="50" charset="-127"/>
-                  <a:ea typeface="맑은 고딕" pitchFamily="50" charset="-127"/>
-                </a:defRPr>
-              </a:lvl9pPr>
-            </a:lstStyle>
-            <a:p>
-              <a:pPr eaLnBrk="1" hangingPunct="1">
-                <a:spcBef>
-                  <a:spcPct val="0"/>
-                </a:spcBef>
-                <a:buFontTx/>
-                <a:buNone/>
-              </a:pPr>
-              <a:r>
-                <a:rPr kumimoji="0" lang="ko-KR" altLang="en-US" sz="1050" dirty="0">
-                  <a:solidFill>
-                    <a:srgbClr val="A47160"/>
-                  </a:solidFill>
-                </a:rPr>
-                <a:t>아직 회원이 아니신가요</a:t>
-              </a:r>
-              <a:r>
-                <a:rPr kumimoji="0" lang="en-US" altLang="ko-KR" sz="1050" dirty="0">
-                  <a:solidFill>
-                    <a:srgbClr val="A47160"/>
-                  </a:solidFill>
-                </a:rPr>
-                <a:t>?  </a:t>
-              </a:r>
-              <a:r>
-                <a:rPr kumimoji="0" lang="ko-KR" altLang="en-US" sz="1100" b="1" dirty="0">
-                  <a:solidFill>
-                    <a:srgbClr val="A47160"/>
-                  </a:solidFill>
-                </a:rPr>
-                <a:t>회원가입</a:t>
-              </a:r>
-            </a:p>
-          </p:txBody>
-        </p:sp>
-      </p:grpSp>
-      <p:sp>
-        <p:nvSpPr>
-          <p:cNvPr id="5" name="TextBox 4"/>
-          <p:cNvSpPr txBox="1"/>
-          <p:nvPr/>
-        </p:nvSpPr>
-        <p:spPr>
-          <a:xfrm>
-            <a:off x="4433086" y="5157192"/>
-            <a:ext cx="2371162" cy="276999"/>
-          </a:xfrm>
-          <a:prstGeom prst="rect">
-            <a:avLst/>
-          </a:prstGeom>
-          <a:noFill/>
-        </p:spPr>
-        <p:txBody>
-          <a:bodyPr wrap="none" rtlCol="0">
-            <a:spAutoFit/>
-          </a:bodyPr>
-          <a:lstStyle/>
-          <a:p>
-            <a:r>
-              <a:rPr lang="ko-KR" altLang="en-US" sz="1200" dirty="0">
-                <a:solidFill>
-                  <a:srgbClr val="002060"/>
-                </a:solidFill>
-              </a:rPr>
-              <a:t>아이디</a:t>
-            </a:r>
-            <a:r>
-              <a:rPr lang="en-US" altLang="ko-KR" sz="1200" dirty="0">
-                <a:solidFill>
-                  <a:srgbClr val="002060"/>
-                </a:solidFill>
-              </a:rPr>
-              <a:t>/</a:t>
-            </a:r>
-            <a:r>
-              <a:rPr lang="ko-KR" altLang="en-US" sz="1200" dirty="0">
-                <a:solidFill>
-                  <a:srgbClr val="002060"/>
-                </a:solidFill>
-              </a:rPr>
-              <a:t>비밀번호를 잊으셨나요</a:t>
-            </a:r>
-            <a:r>
-              <a:rPr lang="en-US" altLang="ko-KR" sz="1200" dirty="0">
-                <a:solidFill>
-                  <a:srgbClr val="002060"/>
-                </a:solidFill>
-              </a:rPr>
-              <a:t>?</a:t>
-            </a:r>
-            <a:endParaRPr lang="ko-KR" altLang="en-US" sz="1200" dirty="0">
-              <a:solidFill>
-                <a:srgbClr val="002060"/>
-              </a:solidFill>
-            </a:endParaRPr>
+            <a:pPr eaLnBrk="1" hangingPunct="1"/>
+            <a:r>
+              <a:rPr kumimoji="0" lang="ko-KR" altLang="en-US" sz="6000" b="1" dirty="0" smtClean="0">
+                <a:solidFill>
+                  <a:srgbClr val="2D1152"/>
+                </a:solidFill>
+              </a:rPr>
+              <a:t>핵심 코드 및 시연</a:t>
+            </a:r>
           </a:p>
         </p:txBody>
       </p:sp>
     </p:spTree>
     <p:extLst>
       <p:ext uri="{BB962C8B-B14F-4D97-AF65-F5344CB8AC3E}">
-        <p14:creationId xmlns:p14="http://schemas.microsoft.com/office/powerpoint/2010/main" val="2404912905"/>
+        <p14:creationId xmlns:p14="http://schemas.microsoft.com/office/powerpoint/2010/main" val="2652984183"/>
       </p:ext>
     </p:extLst>
   </p:cSld>
@@ -8438,7 +6669,7 @@
             <a:avLst/>
           </a:prstGeom>
           <a:solidFill>
-            <a:srgbClr val="FFC8C8"/>
+            <a:srgbClr val="735798"/>
           </a:solidFill>
           <a:ln>
             <a:noFill/>
@@ -8605,6 +6836,9 @@
             <a:avLst/>
           </a:prstGeom>
           <a:noFill/>
+          <a:ln>
+            <a:noFill/>
+          </a:ln>
         </p:spPr>
         <p:txBody>
           <a:bodyPr wrap="square" lIns="91440" tIns="45720" rIns="91440" bIns="45720">
@@ -8617,15 +6851,13 @@
               <a:rPr lang="en-US" altLang="ko-KR" sz="10000" b="1" dirty="0" err="1" smtClean="0">
                 <a:ln w="18000">
                   <a:solidFill>
-                    <a:schemeClr val="accent2">
-                      <a:satMod val="140000"/>
-                    </a:schemeClr>
+                    <a:srgbClr val="2D1152"/>
                   </a:solidFill>
                   <a:prstDash val="solid"/>
                   <a:miter lim="800000"/>
                 </a:ln>
                 <a:solidFill>
-                  <a:srgbClr val="FF3478"/>
+                  <a:srgbClr val="2D1152"/>
                 </a:solidFill>
                 <a:effectLst>
                   <a:outerShdw blurRad="25500" dist="23000" dir="7020000" algn="tl">
@@ -8641,15 +6873,13 @@
             <a:endParaRPr lang="en-US" altLang="ko-KR" sz="10000" b="1" cap="none" spc="0" dirty="0">
               <a:ln w="18000">
                 <a:solidFill>
-                  <a:schemeClr val="accent2">
-                    <a:satMod val="140000"/>
-                  </a:schemeClr>
+                  <a:srgbClr val="2D1152"/>
                 </a:solidFill>
                 <a:prstDash val="solid"/>
                 <a:miter lim="800000"/>
               </a:ln>
               <a:solidFill>
-                <a:srgbClr val="FF3478"/>
+                <a:srgbClr val="2D1152"/>
               </a:solidFill>
               <a:effectLst>
                 <a:outerShdw blurRad="25500" dist="23000" dir="7020000" algn="tl">
@@ -10912,23 +9142,8 @@
                   </a:solidFill>
                   <a:latin typeface="+mn-ea"/>
                 </a:rPr>
-                <a:t>JavaScript jquery-1.12.3,   </a:t>
+                <a:t>JavaScript jquery-1.12.3,   jquery-ui-1.10.3,   jquery-easyui-1.4.5</a:t>
               </a:r>
-              <a:r>
-                <a:rPr kumimoji="0" lang="en-US" altLang="ko-KR" sz="1200" dirty="0" smtClean="0">
-                  <a:solidFill>
-                    <a:srgbClr val="3F3F48"/>
-                  </a:solidFill>
-                  <a:latin typeface="+mn-ea"/>
-                </a:rPr>
-                <a:t>jquery-ui-1.10.3,   jquery-easyui-1.4.5</a:t>
-              </a:r>
-              <a:endParaRPr kumimoji="0" lang="en-US" altLang="ko-KR" sz="1200" dirty="0" smtClean="0">
-                <a:solidFill>
-                  <a:srgbClr val="3F3F48"/>
-                </a:solidFill>
-                <a:latin typeface="+mn-ea"/>
-              </a:endParaRPr>
             </a:p>
           </p:txBody>
         </p:sp>
@@ -15482,13 +13697,13 @@
       </p:sp>
       <p:pic>
         <p:nvPicPr>
-          <p:cNvPr id="1026" name="Picture 2"/>
+          <p:cNvPr id="2" name="그림 1"/>
           <p:cNvPicPr>
-            <a:picLocks noChangeAspect="1" noChangeArrowheads="1"/>
+            <a:picLocks noChangeAspect="1"/>
           </p:cNvPicPr>
           <p:nvPr/>
         </p:nvPicPr>
-        <p:blipFill rotWithShape="1">
+        <p:blipFill>
           <a:blip r:embed="rId2">
             <a:extLst>
               <a:ext uri="{28A0092B-C50C-407E-A947-70E740481C1C}">
@@ -15496,40 +13711,18 @@
               </a:ext>
             </a:extLst>
           </a:blip>
-          <a:srcRect l="2675" t="20519" r="50000" b="30153"/>
-          <a:stretch/>
+          <a:stretch>
+            <a:fillRect/>
+          </a:stretch>
         </p:blipFill>
-        <p:spPr bwMode="auto">
+        <p:spPr>
           <a:xfrm>
-            <a:off x="251520" y="980728"/>
-            <a:ext cx="8654902" cy="4933507"/>
+            <a:off x="366712" y="995362"/>
+            <a:ext cx="8410575" cy="4867275"/>
           </a:xfrm>
           <a:prstGeom prst="rect">
             <a:avLst/>
           </a:prstGeom>
-          <a:noFill/>
-          <a:ln>
-            <a:noFill/>
-          </a:ln>
-          <a:extLst>
-            <a:ext uri="{909E8E84-426E-40DD-AFC4-6F175D3DCCD1}">
-              <a14:hiddenFill xmlns:a14="http://schemas.microsoft.com/office/drawing/2010/main">
-                <a:solidFill>
-                  <a:schemeClr val="accent1"/>
-                </a:solidFill>
-              </a14:hiddenFill>
-            </a:ext>
-            <a:ext uri="{91240B29-F687-4F45-9708-019B960494DF}">
-              <a14:hiddenLine xmlns:a14="http://schemas.microsoft.com/office/drawing/2010/main" w="9525">
-                <a:solidFill>
-                  <a:schemeClr val="tx1"/>
-                </a:solidFill>
-                <a:miter lim="800000"/>
-                <a:headEnd/>
-                <a:tailEnd/>
-              </a14:hiddenLine>
-            </a:ext>
-          </a:extLst>
         </p:spPr>
       </p:pic>
     </p:spTree>
